--- a/Java-8-9-10.pptx
+++ b/Java-8-9-10.pptx
@@ -106,6 +106,11 @@
       </a:defRPr>
     </a:lvl9pPr>
   </p:defaultTextStyle>
+  <p:extLst>
+    <p:ext uri="{EFAFB233-063F-42B5-8137-9DF3F51BA10A}">
+      <p15:sldGuideLst xmlns:p15="http://schemas.microsoft.com/office/powerpoint/2012/main"/>
+    </p:ext>
+  </p:extLst>
 </p:presentation>
 </file>
 
@@ -256,7 +261,7 @@
           <a:p>
             <a:fld id="{613EF871-BCC4-A843-832B-6A00F5B7323E}" type="datetimeFigureOut">
               <a:rPr lang="de-DE" smtClean="0"/>
-              <a:t>18.07.18</a:t>
+              <a:t>19.07.18</a:t>
             </a:fld>
             <a:endParaRPr lang="de-DE"/>
           </a:p>
@@ -429,7 +434,7 @@
           <a:p>
             <a:fld id="{613EF871-BCC4-A843-832B-6A00F5B7323E}" type="datetimeFigureOut">
               <a:rPr lang="de-DE" smtClean="0"/>
-              <a:t>18.07.18</a:t>
+              <a:t>19.07.18</a:t>
             </a:fld>
             <a:endParaRPr lang="de-DE"/>
           </a:p>
@@ -612,7 +617,7 @@
           <a:p>
             <a:fld id="{613EF871-BCC4-A843-832B-6A00F5B7323E}" type="datetimeFigureOut">
               <a:rPr lang="de-DE" smtClean="0"/>
-              <a:t>18.07.18</a:t>
+              <a:t>19.07.18</a:t>
             </a:fld>
             <a:endParaRPr lang="de-DE"/>
           </a:p>
@@ -785,7 +790,7 @@
           <a:p>
             <a:fld id="{613EF871-BCC4-A843-832B-6A00F5B7323E}" type="datetimeFigureOut">
               <a:rPr lang="de-DE" smtClean="0"/>
-              <a:t>18.07.18</a:t>
+              <a:t>19.07.18</a:t>
             </a:fld>
             <a:endParaRPr lang="de-DE"/>
           </a:p>
@@ -1063,7 +1068,7 @@
           <a:p>
             <a:fld id="{613EF871-BCC4-A843-832B-6A00F5B7323E}" type="datetimeFigureOut">
               <a:rPr lang="de-DE" smtClean="0"/>
-              <a:t>18.07.18</a:t>
+              <a:t>19.07.18</a:t>
             </a:fld>
             <a:endParaRPr lang="de-DE"/>
           </a:p>
@@ -1278,7 +1283,7 @@
           <a:p>
             <a:fld id="{613EF871-BCC4-A843-832B-6A00F5B7323E}" type="datetimeFigureOut">
               <a:rPr lang="de-DE" smtClean="0"/>
-              <a:t>18.07.18</a:t>
+              <a:t>19.07.18</a:t>
             </a:fld>
             <a:endParaRPr lang="de-DE"/>
           </a:p>
@@ -1646,7 +1651,7 @@
           <a:p>
             <a:fld id="{613EF871-BCC4-A843-832B-6A00F5B7323E}" type="datetimeFigureOut">
               <a:rPr lang="de-DE" smtClean="0"/>
-              <a:t>18.07.18</a:t>
+              <a:t>19.07.18</a:t>
             </a:fld>
             <a:endParaRPr lang="de-DE"/>
           </a:p>
@@ -1787,7 +1792,7 @@
           <a:p>
             <a:fld id="{613EF871-BCC4-A843-832B-6A00F5B7323E}" type="datetimeFigureOut">
               <a:rPr lang="de-DE" smtClean="0"/>
-              <a:t>18.07.18</a:t>
+              <a:t>19.07.18</a:t>
             </a:fld>
             <a:endParaRPr lang="de-DE"/>
           </a:p>
@@ -1900,7 +1905,7 @@
           <a:p>
             <a:fld id="{613EF871-BCC4-A843-832B-6A00F5B7323E}" type="datetimeFigureOut">
               <a:rPr lang="de-DE" smtClean="0"/>
-              <a:t>18.07.18</a:t>
+              <a:t>19.07.18</a:t>
             </a:fld>
             <a:endParaRPr lang="de-DE"/>
           </a:p>
@@ -2189,7 +2194,7 @@
           <a:p>
             <a:fld id="{613EF871-BCC4-A843-832B-6A00F5B7323E}" type="datetimeFigureOut">
               <a:rPr lang="de-DE" smtClean="0"/>
-              <a:t>18.07.18</a:t>
+              <a:t>19.07.18</a:t>
             </a:fld>
             <a:endParaRPr lang="de-DE"/>
           </a:p>
@@ -2480,7 +2485,7 @@
           <a:p>
             <a:fld id="{613EF871-BCC4-A843-832B-6A00F5B7323E}" type="datetimeFigureOut">
               <a:rPr lang="de-DE" smtClean="0"/>
-              <a:t>18.07.18</a:t>
+              <a:t>19.07.18</a:t>
             </a:fld>
             <a:endParaRPr lang="de-DE"/>
           </a:p>
@@ -2696,7 +2701,7 @@
           <a:p>
             <a:fld id="{613EF871-BCC4-A843-832B-6A00F5B7323E}" type="datetimeFigureOut">
               <a:rPr lang="de-DE" smtClean="0"/>
-              <a:t>18.07.18</a:t>
+              <a:t>19.07.18</a:t>
             </a:fld>
             <a:endParaRPr lang="de-DE"/>
           </a:p>
@@ -3541,20 +3546,53 @@
           </a:p>
           <a:p>
             <a:r>
+              <a:rPr lang="de-DE" dirty="0">
+                <a:hlinkClick r:id="rId2"/>
+              </a:rPr>
+              <a:t>https://jaxenter.de/java-10-features-news-69182</a:t>
+            </a:r>
+            <a:endParaRPr lang="de-DE" dirty="0"/>
+          </a:p>
+          <a:p>
+            <a:r>
               <a:rPr lang="de-DE" dirty="0"/>
               <a:t>https://</a:t>
             </a:r>
             <a:r>
               <a:rPr lang="de-DE" dirty="0" err="1"/>
-              <a:t>jaxenter.de</a:t>
+              <a:t>blog.codefx.org</a:t>
+            </a:r>
+            <a:r>
+              <a:rPr lang="de-DE" dirty="0"/>
+              <a:t>/</a:t>
+            </a:r>
+            <a:r>
+              <a:rPr lang="de-DE" dirty="0" err="1"/>
+              <a:t>java</a:t>
+            </a:r>
+            <a:r>
+              <a:rPr lang="de-DE" dirty="0"/>
+              <a:t>/</a:t>
+            </a:r>
+            <a:r>
+              <a:rPr lang="de-DE" dirty="0" err="1"/>
+              <a:t>java</a:t>
+            </a:r>
+            <a:r>
+              <a:rPr lang="de-DE" dirty="0"/>
+              <a:t>-module-system-</a:t>
+            </a:r>
+            <a:r>
+              <a:rPr lang="de-DE" dirty="0" err="1"/>
+              <a:t>tutorial</a:t>
             </a:r>
             <a:r>
               <a:rPr lang="de-DE"/>
-              <a:t>/java-10-features-news-69182</a:t>
-            </a:r>
-          </a:p>
-          <a:p>
-            <a:endParaRPr lang="de-DE"/>
+              <a:t>/</a:t>
+            </a:r>
+          </a:p>
+          <a:p>
+            <a:endParaRPr lang="de-DE" dirty="0"/>
           </a:p>
         </p:txBody>
       </p:sp>
